--- a/ДП/Защита на дипломен проект.pptx
+++ b/ДП/Защита на дипломен проект.pptx
@@ -6,17 +6,19 @@
     <p:sldMasterId id="2147483668" r:id="rId2"/>
   </p:sldMasterIdLst>
   <p:notesMasterIdLst>
-    <p:notesMasterId r:id="rId11"/>
+    <p:notesMasterId r:id="rId13"/>
   </p:notesMasterIdLst>
   <p:sldIdLst>
     <p:sldId id="354" r:id="rId3"/>
     <p:sldId id="352" r:id="rId4"/>
-    <p:sldId id="349" r:id="rId5"/>
-    <p:sldId id="350" r:id="rId6"/>
-    <p:sldId id="356" r:id="rId7"/>
-    <p:sldId id="351" r:id="rId8"/>
-    <p:sldId id="355" r:id="rId9"/>
-    <p:sldId id="353" r:id="rId10"/>
+    <p:sldId id="357" r:id="rId5"/>
+    <p:sldId id="349" r:id="rId6"/>
+    <p:sldId id="350" r:id="rId7"/>
+    <p:sldId id="356" r:id="rId8"/>
+    <p:sldId id="358" r:id="rId9"/>
+    <p:sldId id="351" r:id="rId10"/>
+    <p:sldId id="355" r:id="rId11"/>
+    <p:sldId id="353" r:id="rId12"/>
   </p:sldIdLst>
   <p:sldSz cx="12192000" cy="6858000"/>
   <p:notesSz cx="6858000" cy="9144000"/>
@@ -567,6 +569,101 @@
 </p:notes>
 </file>
 
+<file path=ppt/notesSlides/notesSlide10.xml><?xml version="1.0" encoding="utf-8"?>
+<p:notes xmlns:a="http://schemas.openxmlformats.org/drawingml/2006/main" xmlns:r="http://schemas.openxmlformats.org/officeDocument/2006/relationships" xmlns:p="http://schemas.openxmlformats.org/presentationml/2006/main">
+  <p:cSld>
+    <p:spTree>
+      <p:nvGrpSpPr>
+        <p:cNvPr id="1" name=""/>
+        <p:cNvGrpSpPr/>
+        <p:nvPr/>
+      </p:nvGrpSpPr>
+      <p:grpSpPr>
+        <a:xfrm>
+          <a:off x="0" y="0"/>
+          <a:ext cx="0" cy="0"/>
+          <a:chOff x="0" y="0"/>
+          <a:chExt cx="0" cy="0"/>
+        </a:xfrm>
+      </p:grpSpPr>
+      <p:sp>
+        <p:nvSpPr>
+          <p:cNvPr id="2" name="Slide Image Placeholder 1"/>
+          <p:cNvSpPr>
+            <a:spLocks noGrp="1" noRot="1" noChangeAspect="1"/>
+          </p:cNvSpPr>
+          <p:nvPr>
+            <p:ph type="sldImg"/>
+          </p:nvPr>
+        </p:nvSpPr>
+        <p:spPr/>
+      </p:sp>
+      <p:sp>
+        <p:nvSpPr>
+          <p:cNvPr id="3" name="Notes Placeholder 2"/>
+          <p:cNvSpPr>
+            <a:spLocks noGrp="1"/>
+          </p:cNvSpPr>
+          <p:nvPr>
+            <p:ph type="body" idx="1"/>
+          </p:nvPr>
+        </p:nvSpPr>
+        <p:spPr/>
+        <p:txBody>
+          <a:bodyPr/>
+          <a:lstStyle/>
+          <a:p>
+            <a:r>
+              <a:rPr lang="en-US" dirty="0"/>
+              <a:t>© Copyright </a:t>
+            </a:r>
+            <a:r>
+              <a:rPr lang="en-US" b="1" dirty="0"/>
+              <a:t>PresentationGO.com</a:t>
+            </a:r>
+            <a:r>
+              <a:rPr lang="en-US" dirty="0"/>
+              <a:t> – Free Templates &amp; Infographics for PowerPoint and Google Slides</a:t>
+            </a:r>
+          </a:p>
+        </p:txBody>
+      </p:sp>
+      <p:sp>
+        <p:nvSpPr>
+          <p:cNvPr id="4" name="Slide Number Placeholder 3"/>
+          <p:cNvSpPr>
+            <a:spLocks noGrp="1"/>
+          </p:cNvSpPr>
+          <p:nvPr>
+            <p:ph type="sldNum" sz="quarter" idx="5"/>
+          </p:nvPr>
+        </p:nvSpPr>
+        <p:spPr/>
+        <p:txBody>
+          <a:bodyPr/>
+          <a:lstStyle/>
+          <a:p>
+            <a:fld id="{0A50B4EB-D9F6-4F2F-973A-15D71B3F5057}" type="slidenum">
+              <a:rPr lang="en-US" smtClean="0"/>
+              <a:t>10</a:t>
+            </a:fld>
+            <a:endParaRPr lang="en-US"/>
+          </a:p>
+        </p:txBody>
+      </p:sp>
+    </p:spTree>
+    <p:extLst>
+      <p:ext uri="{BB962C8B-B14F-4D97-AF65-F5344CB8AC3E}">
+        <p14:creationId xmlns:p14="http://schemas.microsoft.com/office/powerpoint/2010/main" val="275955127"/>
+      </p:ext>
+    </p:extLst>
+  </p:cSld>
+  <p:clrMapOvr>
+    <a:masterClrMapping/>
+  </p:clrMapOvr>
+</p:notes>
+</file>
+
 <file path=ppt/notesSlides/notesSlide2.xml><?xml version="1.0" encoding="utf-8"?>
 <p:notes xmlns:a="http://schemas.openxmlformats.org/drawingml/2006/main" xmlns:r="http://schemas.openxmlformats.org/officeDocument/2006/relationships" xmlns:p="http://schemas.openxmlformats.org/presentationml/2006/main">
   <p:cSld>
@@ -747,7 +844,7 @@
     </p:spTree>
     <p:extLst>
       <p:ext uri="{BB962C8B-B14F-4D97-AF65-F5344CB8AC3E}">
-        <p14:creationId xmlns:p14="http://schemas.microsoft.com/office/powerpoint/2010/main" val="512839300"/>
+        <p14:creationId xmlns:p14="http://schemas.microsoft.com/office/powerpoint/2010/main" val="2002679502"/>
       </p:ext>
     </p:extLst>
   </p:cSld>
@@ -842,7 +939,7 @@
     </p:spTree>
     <p:extLst>
       <p:ext uri="{BB962C8B-B14F-4D97-AF65-F5344CB8AC3E}">
-        <p14:creationId xmlns:p14="http://schemas.microsoft.com/office/powerpoint/2010/main" val="2365006961"/>
+        <p14:creationId xmlns:p14="http://schemas.microsoft.com/office/powerpoint/2010/main" val="512839300"/>
       </p:ext>
     </p:extLst>
   </p:cSld>
@@ -937,7 +1034,7 @@
     </p:spTree>
     <p:extLst>
       <p:ext uri="{BB962C8B-B14F-4D97-AF65-F5344CB8AC3E}">
-        <p14:creationId xmlns:p14="http://schemas.microsoft.com/office/powerpoint/2010/main" val="3490997695"/>
+        <p14:creationId xmlns:p14="http://schemas.microsoft.com/office/powerpoint/2010/main" val="2365006961"/>
       </p:ext>
     </p:extLst>
   </p:cSld>
@@ -1032,7 +1129,7 @@
     </p:spTree>
     <p:extLst>
       <p:ext uri="{BB962C8B-B14F-4D97-AF65-F5344CB8AC3E}">
-        <p14:creationId xmlns:p14="http://schemas.microsoft.com/office/powerpoint/2010/main" val="505815243"/>
+        <p14:creationId xmlns:p14="http://schemas.microsoft.com/office/powerpoint/2010/main" val="3490997695"/>
       </p:ext>
     </p:extLst>
   </p:cSld>
@@ -1127,7 +1224,7 @@
     </p:spTree>
     <p:extLst>
       <p:ext uri="{BB962C8B-B14F-4D97-AF65-F5344CB8AC3E}">
-        <p14:creationId xmlns:p14="http://schemas.microsoft.com/office/powerpoint/2010/main" val="2882883837"/>
+        <p14:creationId xmlns:p14="http://schemas.microsoft.com/office/powerpoint/2010/main" val="1158080094"/>
       </p:ext>
     </p:extLst>
   </p:cSld>
@@ -1222,7 +1319,102 @@
     </p:spTree>
     <p:extLst>
       <p:ext uri="{BB962C8B-B14F-4D97-AF65-F5344CB8AC3E}">
-        <p14:creationId xmlns:p14="http://schemas.microsoft.com/office/powerpoint/2010/main" val="275955127"/>
+        <p14:creationId xmlns:p14="http://schemas.microsoft.com/office/powerpoint/2010/main" val="505815243"/>
+      </p:ext>
+    </p:extLst>
+  </p:cSld>
+  <p:clrMapOvr>
+    <a:masterClrMapping/>
+  </p:clrMapOvr>
+</p:notes>
+</file>
+
+<file path=ppt/notesSlides/notesSlide9.xml><?xml version="1.0" encoding="utf-8"?>
+<p:notes xmlns:a="http://schemas.openxmlformats.org/drawingml/2006/main" xmlns:r="http://schemas.openxmlformats.org/officeDocument/2006/relationships" xmlns:p="http://schemas.openxmlformats.org/presentationml/2006/main">
+  <p:cSld>
+    <p:spTree>
+      <p:nvGrpSpPr>
+        <p:cNvPr id="1" name=""/>
+        <p:cNvGrpSpPr/>
+        <p:nvPr/>
+      </p:nvGrpSpPr>
+      <p:grpSpPr>
+        <a:xfrm>
+          <a:off x="0" y="0"/>
+          <a:ext cx="0" cy="0"/>
+          <a:chOff x="0" y="0"/>
+          <a:chExt cx="0" cy="0"/>
+        </a:xfrm>
+      </p:grpSpPr>
+      <p:sp>
+        <p:nvSpPr>
+          <p:cNvPr id="2" name="Slide Image Placeholder 1"/>
+          <p:cNvSpPr>
+            <a:spLocks noGrp="1" noRot="1" noChangeAspect="1"/>
+          </p:cNvSpPr>
+          <p:nvPr>
+            <p:ph type="sldImg"/>
+          </p:nvPr>
+        </p:nvSpPr>
+        <p:spPr/>
+      </p:sp>
+      <p:sp>
+        <p:nvSpPr>
+          <p:cNvPr id="3" name="Notes Placeholder 2"/>
+          <p:cNvSpPr>
+            <a:spLocks noGrp="1"/>
+          </p:cNvSpPr>
+          <p:nvPr>
+            <p:ph type="body" idx="1"/>
+          </p:nvPr>
+        </p:nvSpPr>
+        <p:spPr/>
+        <p:txBody>
+          <a:bodyPr/>
+          <a:lstStyle/>
+          <a:p>
+            <a:r>
+              <a:rPr lang="en-US" dirty="0"/>
+              <a:t>© Copyright </a:t>
+            </a:r>
+            <a:r>
+              <a:rPr lang="en-US" b="1" dirty="0"/>
+              <a:t>PresentationGO.com</a:t>
+            </a:r>
+            <a:r>
+              <a:rPr lang="en-US" dirty="0"/>
+              <a:t> – Free Templates &amp; Infographics for PowerPoint and Google Slides</a:t>
+            </a:r>
+          </a:p>
+        </p:txBody>
+      </p:sp>
+      <p:sp>
+        <p:nvSpPr>
+          <p:cNvPr id="4" name="Slide Number Placeholder 3"/>
+          <p:cNvSpPr>
+            <a:spLocks noGrp="1"/>
+          </p:cNvSpPr>
+          <p:nvPr>
+            <p:ph type="sldNum" sz="quarter" idx="5"/>
+          </p:nvPr>
+        </p:nvSpPr>
+        <p:spPr/>
+        <p:txBody>
+          <a:bodyPr/>
+          <a:lstStyle/>
+          <a:p>
+            <a:fld id="{0A50B4EB-D9F6-4F2F-973A-15D71B3F5057}" type="slidenum">
+              <a:rPr lang="en-US" smtClean="0"/>
+              <a:t>9</a:t>
+            </a:fld>
+            <a:endParaRPr lang="en-US"/>
+          </a:p>
+        </p:txBody>
+      </p:sp>
+    </p:spTree>
+    <p:extLst>
+      <p:ext uri="{BB962C8B-B14F-4D97-AF65-F5344CB8AC3E}">
+        <p14:creationId xmlns:p14="http://schemas.microsoft.com/office/powerpoint/2010/main" val="2882883837"/>
       </p:ext>
     </p:extLst>
   </p:cSld>
@@ -18539,6 +18731,196 @@
 </p:sld>
 </file>
 
+<file path=ppt/slides/slide10.xml><?xml version="1.0" encoding="utf-8"?>
+<p:sld xmlns:a="http://schemas.openxmlformats.org/drawingml/2006/main" xmlns:r="http://schemas.openxmlformats.org/officeDocument/2006/relationships" xmlns:p="http://schemas.openxmlformats.org/presentationml/2006/main">
+  <p:cSld>
+    <p:spTree>
+      <p:nvGrpSpPr>
+        <p:cNvPr id="1" name=""/>
+        <p:cNvGrpSpPr/>
+        <p:nvPr/>
+      </p:nvGrpSpPr>
+      <p:grpSpPr>
+        <a:xfrm>
+          <a:off x="0" y="0"/>
+          <a:ext cx="0" cy="0"/>
+          <a:chOff x="0" y="0"/>
+          <a:chExt cx="0" cy="0"/>
+        </a:xfrm>
+      </p:grpSpPr>
+      <p:sp>
+        <p:nvSpPr>
+          <p:cNvPr id="2" name="Title 1">
+            <a:extLst>
+              <a:ext uri="{FF2B5EF4-FFF2-40B4-BE49-F238E27FC236}">
+                <a16:creationId xmlns:a16="http://schemas.microsoft.com/office/drawing/2014/main" id="{0015A7E5-FFEF-8157-06F8-35BB551C48A8}"/>
+              </a:ext>
+            </a:extLst>
+          </p:cNvPr>
+          <p:cNvSpPr>
+            <a:spLocks noGrp="1"/>
+          </p:cNvSpPr>
+          <p:nvPr>
+            <p:ph type="title"/>
+          </p:nvPr>
+        </p:nvSpPr>
+        <p:spPr>
+          <a:xfrm>
+            <a:off x="6800044" y="2563997"/>
+            <a:ext cx="5106206" cy="1917246"/>
+          </a:xfrm>
+        </p:spPr>
+        <p:txBody>
+          <a:bodyPr>
+            <a:normAutofit fontScale="90000"/>
+          </a:bodyPr>
+          <a:lstStyle/>
+          <a:p>
+            <a:r>
+              <a:rPr lang="bg-BG" dirty="0"/>
+              <a:t>Благодаря за отделеното време</a:t>
+            </a:r>
+            <a:endParaRPr lang="en-US" dirty="0"/>
+          </a:p>
+        </p:txBody>
+      </p:sp>
+      <p:sp>
+        <p:nvSpPr>
+          <p:cNvPr id="6" name="Slide Number Placeholder 5">
+            <a:extLst>
+              <a:ext uri="{FF2B5EF4-FFF2-40B4-BE49-F238E27FC236}">
+                <a16:creationId xmlns:a16="http://schemas.microsoft.com/office/drawing/2014/main" id="{B25C8105-4425-332D-CC81-4F198703BEE9}"/>
+              </a:ext>
+            </a:extLst>
+          </p:cNvPr>
+          <p:cNvSpPr>
+            <a:spLocks noGrp="1"/>
+          </p:cNvSpPr>
+          <p:nvPr>
+            <p:ph type="sldNum" sz="quarter" idx="12"/>
+          </p:nvPr>
+        </p:nvSpPr>
+        <p:spPr/>
+        <p:txBody>
+          <a:bodyPr/>
+          <a:lstStyle/>
+          <a:p>
+            <a:fld id="{672B7600-67E3-4D97-B453-880E2742B982}" type="slidenum">
+              <a:rPr lang="en-US" smtClean="0"/>
+              <a:t>10</a:t>
+            </a:fld>
+            <a:endParaRPr lang="en-US"/>
+          </a:p>
+        </p:txBody>
+      </p:sp>
+      <p:sp>
+        <p:nvSpPr>
+          <p:cNvPr id="8" name="Text Placeholder 7">
+            <a:extLst>
+              <a:ext uri="{FF2B5EF4-FFF2-40B4-BE49-F238E27FC236}">
+                <a16:creationId xmlns:a16="http://schemas.microsoft.com/office/drawing/2014/main" id="{0046C56E-1ADC-5AEA-753D-88CF8C9023A0}"/>
+              </a:ext>
+            </a:extLst>
+          </p:cNvPr>
+          <p:cNvSpPr>
+            <a:spLocks noGrp="1"/>
+          </p:cNvSpPr>
+          <p:nvPr>
+            <p:ph type="body" sz="quarter" idx="14"/>
+          </p:nvPr>
+        </p:nvSpPr>
+        <p:spPr>
+          <a:xfrm>
+            <a:off x="3814444" y="2830199"/>
+            <a:ext cx="2053695" cy="228600"/>
+          </a:xfrm>
+        </p:spPr>
+        <p:txBody>
+          <a:bodyPr/>
+          <a:lstStyle/>
+          <a:p>
+            <a:pPr algn="ctr"/>
+            <a:r>
+              <a:rPr lang="bg-BG" dirty="0"/>
+              <a:t>Юлиян Велиславов Наумов</a:t>
+            </a:r>
+            <a:endParaRPr lang="en-US" dirty="0"/>
+          </a:p>
+        </p:txBody>
+      </p:sp>
+      <p:pic>
+        <p:nvPicPr>
+          <p:cNvPr id="11" name="Picture 10" descr="A yellow and black symbol&#10;&#10;Description automatically generated">
+            <a:extLst>
+              <a:ext uri="{FF2B5EF4-FFF2-40B4-BE49-F238E27FC236}">
+                <a16:creationId xmlns:a16="http://schemas.microsoft.com/office/drawing/2014/main" id="{C9E29B6C-ED95-B469-7F80-194B358168ED}"/>
+              </a:ext>
+            </a:extLst>
+          </p:cNvPr>
+          <p:cNvPicPr>
+            <a:picLocks noChangeAspect="1"/>
+          </p:cNvPicPr>
+          <p:nvPr/>
+        </p:nvPicPr>
+        <p:blipFill>
+          <a:blip r:embed="rId3"/>
+          <a:stretch>
+            <a:fillRect/>
+          </a:stretch>
+        </p:blipFill>
+        <p:spPr>
+          <a:xfrm>
+            <a:off x="11235305" y="136525"/>
+            <a:ext cx="764932" cy="769486"/>
+          </a:xfrm>
+          <a:prstGeom prst="rect">
+            <a:avLst/>
+          </a:prstGeom>
+        </p:spPr>
+      </p:pic>
+      <p:pic>
+        <p:nvPicPr>
+          <p:cNvPr id="12" name="Picture 11" descr="A blue and black logo&#10;&#10;Description automatically generated">
+            <a:extLst>
+              <a:ext uri="{FF2B5EF4-FFF2-40B4-BE49-F238E27FC236}">
+                <a16:creationId xmlns:a16="http://schemas.microsoft.com/office/drawing/2014/main" id="{DB1317C1-17B6-1025-2A08-3A14E3FB3D3F}"/>
+              </a:ext>
+            </a:extLst>
+          </p:cNvPr>
+          <p:cNvPicPr>
+            <a:picLocks noChangeAspect="1"/>
+          </p:cNvPicPr>
+          <p:nvPr/>
+        </p:nvPicPr>
+        <p:blipFill>
+          <a:blip r:embed="rId4"/>
+          <a:stretch>
+            <a:fillRect/>
+          </a:stretch>
+        </p:blipFill>
+        <p:spPr>
+          <a:xfrm>
+            <a:off x="212848" y="5997954"/>
+            <a:ext cx="716792" cy="716792"/>
+          </a:xfrm>
+          <a:prstGeom prst="rect">
+            <a:avLst/>
+          </a:prstGeom>
+        </p:spPr>
+      </p:pic>
+    </p:spTree>
+    <p:extLst>
+      <p:ext uri="{BB962C8B-B14F-4D97-AF65-F5344CB8AC3E}">
+        <p14:creationId xmlns:p14="http://schemas.microsoft.com/office/powerpoint/2010/main" val="2672142441"/>
+      </p:ext>
+    </p:extLst>
+  </p:cSld>
+  <p:clrMapOvr>
+    <a:masterClrMapping/>
+  </p:clrMapOvr>
+</p:sld>
+</file>
+
 <file path=ppt/slides/slide2.xml><?xml version="1.0" encoding="utf-8"?>
 <p:sld xmlns:a="http://schemas.openxmlformats.org/drawingml/2006/main" xmlns:r="http://schemas.openxmlformats.org/officeDocument/2006/relationships" xmlns:p="http://schemas.openxmlformats.org/presentationml/2006/main">
   <p:cSld>
@@ -18877,6 +19259,172 @@
           <p:cNvPr id="2" name="Title 1">
             <a:extLst>
               <a:ext uri="{FF2B5EF4-FFF2-40B4-BE49-F238E27FC236}">
+                <a16:creationId xmlns:a16="http://schemas.microsoft.com/office/drawing/2014/main" id="{16D3F357-87F7-7226-9EAC-AF4C7C7693BB}"/>
+              </a:ext>
+            </a:extLst>
+          </p:cNvPr>
+          <p:cNvSpPr>
+            <a:spLocks noGrp="1"/>
+          </p:cNvSpPr>
+          <p:nvPr>
+            <p:ph type="title"/>
+          </p:nvPr>
+        </p:nvSpPr>
+        <p:spPr>
+          <a:xfrm>
+            <a:off x="838200" y="2600388"/>
+            <a:ext cx="10515600" cy="1344793"/>
+          </a:xfrm>
+        </p:spPr>
+        <p:txBody>
+          <a:bodyPr>
+            <a:normAutofit fontScale="90000"/>
+          </a:bodyPr>
+          <a:lstStyle/>
+          <a:p>
+            <a:r>
+              <a:rPr lang="bg-BG" dirty="0"/>
+              <a:t>Цел на дипломния проект</a:t>
+            </a:r>
+            <a:r>
+              <a:rPr lang="en-US" dirty="0"/>
+              <a:t> \</a:t>
+            </a:r>
+            <a:br>
+              <a:rPr lang="en-US" dirty="0"/>
+            </a:br>
+            <a:r>
+              <a:rPr lang="bg-BG" dirty="0"/>
+              <a:t>приложение</a:t>
+            </a:r>
+            <a:endParaRPr lang="en-US" dirty="0"/>
+          </a:p>
+        </p:txBody>
+      </p:sp>
+      <p:sp>
+        <p:nvSpPr>
+          <p:cNvPr id="6" name="Slide Number Placeholder 5">
+            <a:extLst>
+              <a:ext uri="{FF2B5EF4-FFF2-40B4-BE49-F238E27FC236}">
+                <a16:creationId xmlns:a16="http://schemas.microsoft.com/office/drawing/2014/main" id="{DEDD25F5-3A40-A94A-B578-E4DA669EED79}"/>
+              </a:ext>
+            </a:extLst>
+          </p:cNvPr>
+          <p:cNvSpPr>
+            <a:spLocks noGrp="1"/>
+          </p:cNvSpPr>
+          <p:nvPr>
+            <p:ph type="sldNum" sz="quarter" idx="12"/>
+          </p:nvPr>
+        </p:nvSpPr>
+        <p:spPr/>
+        <p:txBody>
+          <a:bodyPr/>
+          <a:lstStyle/>
+          <a:p>
+            <a:fld id="{672B7600-67E3-4D97-B453-880E2742B982}" type="slidenum">
+              <a:rPr lang="en-US" smtClean="0"/>
+              <a:t>3</a:t>
+            </a:fld>
+            <a:endParaRPr lang="en-US"/>
+          </a:p>
+        </p:txBody>
+      </p:sp>
+      <p:pic>
+        <p:nvPicPr>
+          <p:cNvPr id="7" name="Picture 6" descr="A yellow and black symbol&#10;&#10;Description automatically generated">
+            <a:extLst>
+              <a:ext uri="{FF2B5EF4-FFF2-40B4-BE49-F238E27FC236}">
+                <a16:creationId xmlns:a16="http://schemas.microsoft.com/office/drawing/2014/main" id="{9408065D-D583-1024-8C54-76C734F843A6}"/>
+              </a:ext>
+            </a:extLst>
+          </p:cNvPr>
+          <p:cNvPicPr>
+            <a:picLocks noChangeAspect="1"/>
+          </p:cNvPicPr>
+          <p:nvPr/>
+        </p:nvPicPr>
+        <p:blipFill>
+          <a:blip r:embed="rId3"/>
+          <a:stretch>
+            <a:fillRect/>
+          </a:stretch>
+        </p:blipFill>
+        <p:spPr>
+          <a:xfrm>
+            <a:off x="11235305" y="136525"/>
+            <a:ext cx="764932" cy="769486"/>
+          </a:xfrm>
+          <a:prstGeom prst="rect">
+            <a:avLst/>
+          </a:prstGeom>
+        </p:spPr>
+      </p:pic>
+      <p:pic>
+        <p:nvPicPr>
+          <p:cNvPr id="8" name="Picture 7" descr="A blue and black logo&#10;&#10;Description automatically generated">
+            <a:extLst>
+              <a:ext uri="{FF2B5EF4-FFF2-40B4-BE49-F238E27FC236}">
+                <a16:creationId xmlns:a16="http://schemas.microsoft.com/office/drawing/2014/main" id="{400394BF-006D-F974-4779-C5EF812E7093}"/>
+              </a:ext>
+            </a:extLst>
+          </p:cNvPr>
+          <p:cNvPicPr>
+            <a:picLocks noChangeAspect="1"/>
+          </p:cNvPicPr>
+          <p:nvPr/>
+        </p:nvPicPr>
+        <p:blipFill>
+          <a:blip r:embed="rId4"/>
+          <a:stretch>
+            <a:fillRect/>
+          </a:stretch>
+        </p:blipFill>
+        <p:spPr>
+          <a:xfrm>
+            <a:off x="212848" y="5997954"/>
+            <a:ext cx="716792" cy="716792"/>
+          </a:xfrm>
+          <a:prstGeom prst="rect">
+            <a:avLst/>
+          </a:prstGeom>
+        </p:spPr>
+      </p:pic>
+    </p:spTree>
+    <p:extLst>
+      <p:ext uri="{BB962C8B-B14F-4D97-AF65-F5344CB8AC3E}">
+        <p14:creationId xmlns:p14="http://schemas.microsoft.com/office/powerpoint/2010/main" val="1376107969"/>
+      </p:ext>
+    </p:extLst>
+  </p:cSld>
+  <p:clrMapOvr>
+    <a:masterClrMapping/>
+  </p:clrMapOvr>
+</p:sld>
+</file>
+
+<file path=ppt/slides/slide4.xml><?xml version="1.0" encoding="utf-8"?>
+<p:sld xmlns:a="http://schemas.openxmlformats.org/drawingml/2006/main" xmlns:r="http://schemas.openxmlformats.org/officeDocument/2006/relationships" xmlns:p="http://schemas.openxmlformats.org/presentationml/2006/main">
+  <p:cSld>
+    <p:spTree>
+      <p:nvGrpSpPr>
+        <p:cNvPr id="1" name=""/>
+        <p:cNvGrpSpPr/>
+        <p:nvPr/>
+      </p:nvGrpSpPr>
+      <p:grpSpPr>
+        <a:xfrm>
+          <a:off x="0" y="0"/>
+          <a:ext cx="0" cy="0"/>
+          <a:chOff x="0" y="0"/>
+          <a:chExt cx="0" cy="0"/>
+        </a:xfrm>
+      </p:grpSpPr>
+      <p:sp>
+        <p:nvSpPr>
+          <p:cNvPr id="2" name="Title 1">
+            <a:extLst>
+              <a:ext uri="{FF2B5EF4-FFF2-40B4-BE49-F238E27FC236}">
                 <a16:creationId xmlns:a16="http://schemas.microsoft.com/office/drawing/2014/main" id="{E4781CDF-9C9E-4065-176E-A7605CE3B022}"/>
               </a:ext>
             </a:extLst>
@@ -18971,7 +19519,7 @@
           <a:p>
             <a:fld id="{672B7600-67E3-4D97-B453-880E2742B982}" type="slidenum">
               <a:rPr lang="en-US" smtClean="0"/>
-              <a:t>3</a:t>
+              <a:t>4</a:t>
             </a:fld>
             <a:endParaRPr lang="en-US"/>
           </a:p>
@@ -19036,7 +19584,7 @@
           <a:p>
             <a:r>
               <a:rPr lang="bg-BG" noProof="1"/>
-              <a:t>Видове променливи в </a:t>
+              <a:t>Променливи в </a:t>
             </a:r>
             <a:r>
               <a:rPr lang="en-US" noProof="1"/>
@@ -19105,6 +19653,36 @@
           </a:prstGeom>
         </p:spPr>
       </p:pic>
+      <p:pic>
+        <p:nvPicPr>
+          <p:cNvPr id="5" name="Picture 4">
+            <a:extLst>
+              <a:ext uri="{FF2B5EF4-FFF2-40B4-BE49-F238E27FC236}">
+                <a16:creationId xmlns:a16="http://schemas.microsoft.com/office/drawing/2014/main" id="{51853C1A-984F-342C-385C-215A8794A065}"/>
+              </a:ext>
+            </a:extLst>
+          </p:cNvPr>
+          <p:cNvPicPr>
+            <a:picLocks noChangeAspect="1"/>
+          </p:cNvPicPr>
+          <p:nvPr/>
+        </p:nvPicPr>
+        <p:blipFill>
+          <a:blip r:embed="rId5"/>
+          <a:stretch>
+            <a:fillRect/>
+          </a:stretch>
+        </p:blipFill>
+        <p:spPr>
+          <a:xfrm>
+            <a:off x="4427388" y="5538371"/>
+            <a:ext cx="2995039" cy="1000541"/>
+          </a:xfrm>
+          <a:prstGeom prst="rect">
+            <a:avLst/>
+          </a:prstGeom>
+        </p:spPr>
+      </p:pic>
     </p:spTree>
     <p:extLst>
       <p:ext uri="{BB962C8B-B14F-4D97-AF65-F5344CB8AC3E}">
@@ -19118,7 +19696,7 @@
 </p:sld>
 </file>
 
-<file path=ppt/slides/slide4.xml><?xml version="1.0" encoding="utf-8"?>
+<file path=ppt/slides/slide5.xml><?xml version="1.0" encoding="utf-8"?>
 <p:sld xmlns:a="http://schemas.openxmlformats.org/drawingml/2006/main" xmlns:r="http://schemas.openxmlformats.org/officeDocument/2006/relationships" xmlns:p="http://schemas.openxmlformats.org/presentationml/2006/main">
   <p:cSld>
     <p:spTree>
@@ -19187,7 +19765,7 @@
           <a:p>
             <a:fld id="{672B7600-67E3-4D97-B453-880E2742B982}" type="slidenum">
               <a:rPr lang="en-US" smtClean="0"/>
-              <a:t>4</a:t>
+              <a:t>5</a:t>
             </a:fld>
             <a:endParaRPr lang="en-US"/>
           </a:p>
@@ -19465,7 +20043,7 @@
         </p:nvSpPr>
         <p:spPr>
           <a:xfrm>
-            <a:off x="0" y="2005012"/>
+            <a:off x="212848" y="906011"/>
             <a:ext cx="4933950" cy="4351338"/>
           </a:xfrm>
           <a:prstGeom prst="rect">
@@ -19657,39 +20235,80 @@
           </a:lstStyle>
           <a:p>
             <a:r>
-              <a:rPr lang="en-US" noProof="1"/>
-              <a:t>Single Responsibility</a:t>
+              <a:rPr lang="en-US" sz="2600" noProof="1"/>
+              <a:t>Single Responsibility - </a:t>
             </a:r>
+            <a:r>
+              <a:rPr lang="bg-BG" sz="2600" noProof="1"/>
+              <a:t>принцип за единствена отговорност</a:t>
+            </a:r>
+            <a:endParaRPr lang="en-US" sz="2600" noProof="1"/>
           </a:p>
           <a:p>
             <a:r>
-              <a:rPr lang="en-US" noProof="1"/>
-              <a:t>Open-Closed</a:t>
+              <a:rPr lang="en-US" sz="2600" noProof="1"/>
+              <a:t>Open-Closed - </a:t>
             </a:r>
+            <a:r>
+              <a:rPr lang="bg-BG" sz="2600" noProof="1"/>
+              <a:t>п</a:t>
+            </a:r>
+            <a:r>
+              <a:rPr lang="ru-RU" sz="2600" noProof="1"/>
+              <a:t>ринцип за отворен/затворен клас</a:t>
+            </a:r>
+            <a:endParaRPr lang="en-US" sz="2600" noProof="1"/>
           </a:p>
           <a:p>
             <a:r>
-              <a:rPr lang="en-US" noProof="1"/>
+              <a:rPr lang="en-US" sz="2600" noProof="1"/>
               <a:t>Liskov Substitution </a:t>
             </a:r>
+            <a:r>
+              <a:rPr lang="bg-BG" sz="2600" noProof="1"/>
+              <a:t>- </a:t>
+            </a:r>
+            <a:r>
+              <a:rPr lang="ru-RU" sz="2600" noProof="1"/>
+              <a:t>принцип на заместване на Лисков</a:t>
+            </a:r>
+            <a:endParaRPr lang="en-US" sz="2600" noProof="1"/>
           </a:p>
           <a:p>
             <a:r>
-              <a:rPr lang="en-US" noProof="1"/>
+              <a:rPr lang="en-US" sz="2600" noProof="1"/>
               <a:t>Interface Segregation </a:t>
             </a:r>
+            <a:r>
+              <a:rPr lang="bg-BG" sz="2600" noProof="1"/>
+              <a:t>- </a:t>
+            </a:r>
+            <a:r>
+              <a:rPr lang="ru-RU" sz="2600" noProof="1"/>
+              <a:t>принцип за разделяне на интерфейсите </a:t>
+            </a:r>
+            <a:endParaRPr lang="en-US" sz="2600" noProof="1"/>
           </a:p>
           <a:p>
             <a:r>
-              <a:rPr lang="en-US" noProof="1"/>
+              <a:rPr lang="en-US" sz="2600" noProof="1"/>
               <a:t>Dependency Inversion </a:t>
             </a:r>
+            <a:r>
+              <a:rPr lang="bg-BG" sz="2600" noProof="1"/>
+              <a:t>- </a:t>
+            </a:r>
+            <a:r>
+              <a:rPr lang="ru-RU" sz="2600" noProof="1"/>
+              <a:t>принцип на обръщане на зависимостите</a:t>
+            </a:r>
+            <a:endParaRPr lang="en-US" sz="2600" noProof="1"/>
           </a:p>
           <a:p>
             <a:pPr marL="0" indent="0">
               <a:buNone/>
             </a:pPr>
-            <a:endParaRPr lang="en-US" noProof="1"/>
+            <a:endParaRPr lang="en-US" sz="2600" noProof="1"/>
           </a:p>
         </p:txBody>
       </p:sp>
@@ -19736,7 +20355,7 @@
 </p:sld>
 </file>
 
-<file path=ppt/slides/slide5.xml><?xml version="1.0" encoding="utf-8"?>
+<file path=ppt/slides/slide6.xml><?xml version="1.0" encoding="utf-8"?>
 <p:sld xmlns:a="http://schemas.openxmlformats.org/drawingml/2006/main" xmlns:r="http://schemas.openxmlformats.org/officeDocument/2006/relationships" xmlns:p="http://schemas.openxmlformats.org/presentationml/2006/main">
   <p:cSld>
     <p:spTree>
@@ -19863,7 +20482,7 @@
           <a:p>
             <a:fld id="{672B7600-67E3-4D97-B453-880E2742B982}" type="slidenum">
               <a:rPr lang="en-US" smtClean="0"/>
-              <a:t>5</a:t>
+              <a:t>6</a:t>
             </a:fld>
             <a:endParaRPr lang="en-US"/>
           </a:p>
@@ -20030,7 +20649,211 @@
 </p:sld>
 </file>
 
-<file path=ppt/slides/slide6.xml><?xml version="1.0" encoding="utf-8"?>
+<file path=ppt/slides/slide7.xml><?xml version="1.0" encoding="utf-8"?>
+<p:sld xmlns:a="http://schemas.openxmlformats.org/drawingml/2006/main" xmlns:r="http://schemas.openxmlformats.org/officeDocument/2006/relationships" xmlns:p="http://schemas.openxmlformats.org/presentationml/2006/main">
+  <p:cSld>
+    <p:spTree>
+      <p:nvGrpSpPr>
+        <p:cNvPr id="1" name=""/>
+        <p:cNvGrpSpPr/>
+        <p:nvPr/>
+      </p:nvGrpSpPr>
+      <p:grpSpPr>
+        <a:xfrm>
+          <a:off x="0" y="0"/>
+          <a:ext cx="0" cy="0"/>
+          <a:chOff x="0" y="0"/>
+          <a:chExt cx="0" cy="0"/>
+        </a:xfrm>
+      </p:grpSpPr>
+      <p:sp>
+        <p:nvSpPr>
+          <p:cNvPr id="6" name="Slide Number Placeholder 5">
+            <a:extLst>
+              <a:ext uri="{FF2B5EF4-FFF2-40B4-BE49-F238E27FC236}">
+                <a16:creationId xmlns:a16="http://schemas.microsoft.com/office/drawing/2014/main" id="{72A8AD0E-B312-4244-EF19-6958F9BB0DFF}"/>
+              </a:ext>
+            </a:extLst>
+          </p:cNvPr>
+          <p:cNvSpPr>
+            <a:spLocks noGrp="1"/>
+          </p:cNvSpPr>
+          <p:nvPr>
+            <p:ph type="sldNum" sz="quarter" idx="12"/>
+          </p:nvPr>
+        </p:nvSpPr>
+        <p:spPr/>
+        <p:txBody>
+          <a:bodyPr/>
+          <a:lstStyle/>
+          <a:p>
+            <a:fld id="{672B7600-67E3-4D97-B453-880E2742B982}" type="slidenum">
+              <a:rPr lang="en-US" smtClean="0"/>
+              <a:t>7</a:t>
+            </a:fld>
+            <a:endParaRPr lang="en-US"/>
+          </a:p>
+        </p:txBody>
+      </p:sp>
+      <p:pic>
+        <p:nvPicPr>
+          <p:cNvPr id="11" name="Picture 10" descr="A yellow and black symbol&#10;&#10;Description automatically generated">
+            <a:extLst>
+              <a:ext uri="{FF2B5EF4-FFF2-40B4-BE49-F238E27FC236}">
+                <a16:creationId xmlns:a16="http://schemas.microsoft.com/office/drawing/2014/main" id="{017E24A8-A5A6-0421-BADB-936B33F7D44C}"/>
+              </a:ext>
+            </a:extLst>
+          </p:cNvPr>
+          <p:cNvPicPr>
+            <a:picLocks noChangeAspect="1"/>
+          </p:cNvPicPr>
+          <p:nvPr/>
+        </p:nvPicPr>
+        <p:blipFill>
+          <a:blip r:embed="rId3"/>
+          <a:stretch>
+            <a:fillRect/>
+          </a:stretch>
+        </p:blipFill>
+        <p:spPr>
+          <a:xfrm>
+            <a:off x="11235305" y="136525"/>
+            <a:ext cx="764932" cy="769486"/>
+          </a:xfrm>
+          <a:prstGeom prst="rect">
+            <a:avLst/>
+          </a:prstGeom>
+        </p:spPr>
+      </p:pic>
+      <p:pic>
+        <p:nvPicPr>
+          <p:cNvPr id="12" name="Picture 11" descr="A blue and black logo&#10;&#10;Description automatically generated">
+            <a:extLst>
+              <a:ext uri="{FF2B5EF4-FFF2-40B4-BE49-F238E27FC236}">
+                <a16:creationId xmlns:a16="http://schemas.microsoft.com/office/drawing/2014/main" id="{649F937F-903D-1394-259E-A303B551286F}"/>
+              </a:ext>
+            </a:extLst>
+          </p:cNvPr>
+          <p:cNvPicPr>
+            <a:picLocks noChangeAspect="1"/>
+          </p:cNvPicPr>
+          <p:nvPr/>
+        </p:nvPicPr>
+        <p:blipFill>
+          <a:blip r:embed="rId4"/>
+          <a:stretch>
+            <a:fillRect/>
+          </a:stretch>
+        </p:blipFill>
+        <p:spPr>
+          <a:xfrm>
+            <a:off x="212848" y="5997954"/>
+            <a:ext cx="716792" cy="716792"/>
+          </a:xfrm>
+          <a:prstGeom prst="rect">
+            <a:avLst/>
+          </a:prstGeom>
+        </p:spPr>
+      </p:pic>
+      <p:pic>
+        <p:nvPicPr>
+          <p:cNvPr id="13" name="Picture 12">
+            <a:extLst>
+              <a:ext uri="{FF2B5EF4-FFF2-40B4-BE49-F238E27FC236}">
+                <a16:creationId xmlns:a16="http://schemas.microsoft.com/office/drawing/2014/main" id="{A7E5BD49-3318-8EC6-EEBD-E03711DD5AED}"/>
+              </a:ext>
+            </a:extLst>
+          </p:cNvPr>
+          <p:cNvPicPr>
+            <a:picLocks noChangeAspect="1"/>
+          </p:cNvPicPr>
+          <p:nvPr/>
+        </p:nvPicPr>
+        <p:blipFill>
+          <a:blip r:embed="rId5"/>
+          <a:stretch>
+            <a:fillRect/>
+          </a:stretch>
+        </p:blipFill>
+        <p:spPr>
+          <a:xfrm>
+            <a:off x="2051743" y="1569067"/>
+            <a:ext cx="8088514" cy="4787283"/>
+          </a:xfrm>
+          <a:prstGeom prst="rect">
+            <a:avLst/>
+          </a:prstGeom>
+        </p:spPr>
+      </p:pic>
+      <p:sp>
+        <p:nvSpPr>
+          <p:cNvPr id="16" name="Title 1">
+            <a:extLst>
+              <a:ext uri="{FF2B5EF4-FFF2-40B4-BE49-F238E27FC236}">
+                <a16:creationId xmlns:a16="http://schemas.microsoft.com/office/drawing/2014/main" id="{5AAD5D3A-6F7D-DD43-D832-7A4B75A2EDFE}"/>
+              </a:ext>
+            </a:extLst>
+          </p:cNvPr>
+          <p:cNvSpPr txBox="1">
+            <a:spLocks/>
+          </p:cNvSpPr>
+          <p:nvPr/>
+        </p:nvSpPr>
+        <p:spPr>
+          <a:xfrm>
+            <a:off x="1017858" y="-526257"/>
+            <a:ext cx="9840169" cy="1325563"/>
+          </a:xfrm>
+          <a:prstGeom prst="rect">
+            <a:avLst/>
+          </a:prstGeom>
+        </p:spPr>
+        <p:txBody>
+          <a:bodyPr vert="horz" lIns="91440" tIns="45720" rIns="91440" bIns="45720" rtlCol="0" anchor="b">
+            <a:normAutofit/>
+          </a:bodyPr>
+          <a:lstStyle>
+            <a:lvl1pPr algn="ctr" defTabSz="914400" rtl="0" eaLnBrk="1" latinLnBrk="0" hangingPunct="1">
+              <a:lnSpc>
+                <a:spcPct val="90000"/>
+              </a:lnSpc>
+              <a:spcBef>
+                <a:spcPct val="0"/>
+              </a:spcBef>
+              <a:buNone/>
+              <a:defRPr sz="6000" b="1" kern="1200">
+                <a:solidFill>
+                  <a:schemeClr val="tx1"/>
+                </a:solidFill>
+                <a:latin typeface="+mn-lt"/>
+                <a:ea typeface="+mj-ea"/>
+                <a:cs typeface="+mj-cs"/>
+              </a:defRPr>
+            </a:lvl1pPr>
+          </a:lstStyle>
+          <a:p>
+            <a:r>
+              <a:rPr lang="bg-BG" sz="3800" dirty="0"/>
+              <a:t>ГЛАВНАТА СТРАНИЦА НА ПРИЛОЖЕНИЕТО</a:t>
+            </a:r>
+            <a:endParaRPr lang="en-US" sz="3800" dirty="0"/>
+          </a:p>
+        </p:txBody>
+      </p:sp>
+    </p:spTree>
+    <p:extLst>
+      <p:ext uri="{BB962C8B-B14F-4D97-AF65-F5344CB8AC3E}">
+        <p14:creationId xmlns:p14="http://schemas.microsoft.com/office/powerpoint/2010/main" val="2451707804"/>
+      </p:ext>
+    </p:extLst>
+  </p:cSld>
+  <p:clrMapOvr>
+    <a:masterClrMapping/>
+  </p:clrMapOvr>
+</p:sld>
+</file>
+
+<file path=ppt/slides/slide8.xml><?xml version="1.0" encoding="utf-8"?>
 <p:sld xmlns:a="http://schemas.openxmlformats.org/drawingml/2006/main" xmlns:r="http://schemas.openxmlformats.org/officeDocument/2006/relationships" xmlns:p="http://schemas.openxmlformats.org/presentationml/2006/main">
   <p:cSld>
     <p:spTree>
@@ -20104,7 +20927,7 @@
           <a:p>
             <a:fld id="{672B7600-67E3-4D97-B453-880E2742B982}" type="slidenum">
               <a:rPr lang="en-US" smtClean="0"/>
-              <a:t>6</a:t>
+              <a:t>8</a:t>
             </a:fld>
             <a:endParaRPr lang="en-US"/>
           </a:p>
@@ -20183,7 +21006,7 @@
 </p:sld>
 </file>
 
-<file path=ppt/slides/slide7.xml><?xml version="1.0" encoding="utf-8"?>
+<file path=ppt/slides/slide9.xml><?xml version="1.0" encoding="utf-8"?>
 <p:sld xmlns:a="http://schemas.openxmlformats.org/drawingml/2006/main" xmlns:r="http://schemas.openxmlformats.org/officeDocument/2006/relationships" xmlns:p="http://schemas.openxmlformats.org/presentationml/2006/main">
   <p:cSld>
     <p:spTree>
@@ -20259,7 +21082,7 @@
           <a:p>
             <a:fld id="{672B7600-67E3-4D97-B453-880E2742B982}" type="slidenum">
               <a:rPr lang="en-US" smtClean="0"/>
-              <a:t>7</a:t>
+              <a:t>9</a:t>
             </a:fld>
             <a:endParaRPr lang="en-US"/>
           </a:p>
@@ -20329,196 +21152,6 @@
     <p:extLst>
       <p:ext uri="{BB962C8B-B14F-4D97-AF65-F5344CB8AC3E}">
         <p14:creationId xmlns:p14="http://schemas.microsoft.com/office/powerpoint/2010/main" val="2784236208"/>
-      </p:ext>
-    </p:extLst>
-  </p:cSld>
-  <p:clrMapOvr>
-    <a:masterClrMapping/>
-  </p:clrMapOvr>
-</p:sld>
-</file>
-
-<file path=ppt/slides/slide8.xml><?xml version="1.0" encoding="utf-8"?>
-<p:sld xmlns:a="http://schemas.openxmlformats.org/drawingml/2006/main" xmlns:r="http://schemas.openxmlformats.org/officeDocument/2006/relationships" xmlns:p="http://schemas.openxmlformats.org/presentationml/2006/main">
-  <p:cSld>
-    <p:spTree>
-      <p:nvGrpSpPr>
-        <p:cNvPr id="1" name=""/>
-        <p:cNvGrpSpPr/>
-        <p:nvPr/>
-      </p:nvGrpSpPr>
-      <p:grpSpPr>
-        <a:xfrm>
-          <a:off x="0" y="0"/>
-          <a:ext cx="0" cy="0"/>
-          <a:chOff x="0" y="0"/>
-          <a:chExt cx="0" cy="0"/>
-        </a:xfrm>
-      </p:grpSpPr>
-      <p:sp>
-        <p:nvSpPr>
-          <p:cNvPr id="2" name="Title 1">
-            <a:extLst>
-              <a:ext uri="{FF2B5EF4-FFF2-40B4-BE49-F238E27FC236}">
-                <a16:creationId xmlns:a16="http://schemas.microsoft.com/office/drawing/2014/main" id="{0015A7E5-FFEF-8157-06F8-35BB551C48A8}"/>
-              </a:ext>
-            </a:extLst>
-          </p:cNvPr>
-          <p:cNvSpPr>
-            <a:spLocks noGrp="1"/>
-          </p:cNvSpPr>
-          <p:nvPr>
-            <p:ph type="title"/>
-          </p:nvPr>
-        </p:nvSpPr>
-        <p:spPr>
-          <a:xfrm>
-            <a:off x="6800044" y="2563997"/>
-            <a:ext cx="5106206" cy="1917246"/>
-          </a:xfrm>
-        </p:spPr>
-        <p:txBody>
-          <a:bodyPr>
-            <a:normAutofit fontScale="90000"/>
-          </a:bodyPr>
-          <a:lstStyle/>
-          <a:p>
-            <a:r>
-              <a:rPr lang="bg-BG" dirty="0"/>
-              <a:t>Благодаря за отделеното време</a:t>
-            </a:r>
-            <a:endParaRPr lang="en-US" dirty="0"/>
-          </a:p>
-        </p:txBody>
-      </p:sp>
-      <p:sp>
-        <p:nvSpPr>
-          <p:cNvPr id="6" name="Slide Number Placeholder 5">
-            <a:extLst>
-              <a:ext uri="{FF2B5EF4-FFF2-40B4-BE49-F238E27FC236}">
-                <a16:creationId xmlns:a16="http://schemas.microsoft.com/office/drawing/2014/main" id="{B25C8105-4425-332D-CC81-4F198703BEE9}"/>
-              </a:ext>
-            </a:extLst>
-          </p:cNvPr>
-          <p:cNvSpPr>
-            <a:spLocks noGrp="1"/>
-          </p:cNvSpPr>
-          <p:nvPr>
-            <p:ph type="sldNum" sz="quarter" idx="12"/>
-          </p:nvPr>
-        </p:nvSpPr>
-        <p:spPr/>
-        <p:txBody>
-          <a:bodyPr/>
-          <a:lstStyle/>
-          <a:p>
-            <a:fld id="{672B7600-67E3-4D97-B453-880E2742B982}" type="slidenum">
-              <a:rPr lang="en-US" smtClean="0"/>
-              <a:t>8</a:t>
-            </a:fld>
-            <a:endParaRPr lang="en-US"/>
-          </a:p>
-        </p:txBody>
-      </p:sp>
-      <p:sp>
-        <p:nvSpPr>
-          <p:cNvPr id="8" name="Text Placeholder 7">
-            <a:extLst>
-              <a:ext uri="{FF2B5EF4-FFF2-40B4-BE49-F238E27FC236}">
-                <a16:creationId xmlns:a16="http://schemas.microsoft.com/office/drawing/2014/main" id="{0046C56E-1ADC-5AEA-753D-88CF8C9023A0}"/>
-              </a:ext>
-            </a:extLst>
-          </p:cNvPr>
-          <p:cNvSpPr>
-            <a:spLocks noGrp="1"/>
-          </p:cNvSpPr>
-          <p:nvPr>
-            <p:ph type="body" sz="quarter" idx="14"/>
-          </p:nvPr>
-        </p:nvSpPr>
-        <p:spPr>
-          <a:xfrm>
-            <a:off x="3814444" y="2830199"/>
-            <a:ext cx="2053695" cy="228600"/>
-          </a:xfrm>
-        </p:spPr>
-        <p:txBody>
-          <a:bodyPr/>
-          <a:lstStyle/>
-          <a:p>
-            <a:pPr algn="ctr"/>
-            <a:r>
-              <a:rPr lang="bg-BG" dirty="0"/>
-              <a:t>Юлиян Велиславов Наумов</a:t>
-            </a:r>
-            <a:endParaRPr lang="en-US" dirty="0"/>
-          </a:p>
-        </p:txBody>
-      </p:sp>
-      <p:pic>
-        <p:nvPicPr>
-          <p:cNvPr id="11" name="Picture 10" descr="A yellow and black symbol&#10;&#10;Description automatically generated">
-            <a:extLst>
-              <a:ext uri="{FF2B5EF4-FFF2-40B4-BE49-F238E27FC236}">
-                <a16:creationId xmlns:a16="http://schemas.microsoft.com/office/drawing/2014/main" id="{C9E29B6C-ED95-B469-7F80-194B358168ED}"/>
-              </a:ext>
-            </a:extLst>
-          </p:cNvPr>
-          <p:cNvPicPr>
-            <a:picLocks noChangeAspect="1"/>
-          </p:cNvPicPr>
-          <p:nvPr/>
-        </p:nvPicPr>
-        <p:blipFill>
-          <a:blip r:embed="rId3"/>
-          <a:stretch>
-            <a:fillRect/>
-          </a:stretch>
-        </p:blipFill>
-        <p:spPr>
-          <a:xfrm>
-            <a:off x="11235305" y="136525"/>
-            <a:ext cx="764932" cy="769486"/>
-          </a:xfrm>
-          <a:prstGeom prst="rect">
-            <a:avLst/>
-          </a:prstGeom>
-        </p:spPr>
-      </p:pic>
-      <p:pic>
-        <p:nvPicPr>
-          <p:cNvPr id="12" name="Picture 11" descr="A blue and black logo&#10;&#10;Description automatically generated">
-            <a:extLst>
-              <a:ext uri="{FF2B5EF4-FFF2-40B4-BE49-F238E27FC236}">
-                <a16:creationId xmlns:a16="http://schemas.microsoft.com/office/drawing/2014/main" id="{DB1317C1-17B6-1025-2A08-3A14E3FB3D3F}"/>
-              </a:ext>
-            </a:extLst>
-          </p:cNvPr>
-          <p:cNvPicPr>
-            <a:picLocks noChangeAspect="1"/>
-          </p:cNvPicPr>
-          <p:nvPr/>
-        </p:nvPicPr>
-        <p:blipFill>
-          <a:blip r:embed="rId4"/>
-          <a:stretch>
-            <a:fillRect/>
-          </a:stretch>
-        </p:blipFill>
-        <p:spPr>
-          <a:xfrm>
-            <a:off x="212848" y="5997954"/>
-            <a:ext cx="716792" cy="716792"/>
-          </a:xfrm>
-          <a:prstGeom prst="rect">
-            <a:avLst/>
-          </a:prstGeom>
-        </p:spPr>
-      </p:pic>
-    </p:spTree>
-    <p:extLst>
-      <p:ext uri="{BB962C8B-B14F-4D97-AF65-F5344CB8AC3E}">
-        <p14:creationId xmlns:p14="http://schemas.microsoft.com/office/powerpoint/2010/main" val="2672142441"/>
       </p:ext>
     </p:extLst>
   </p:cSld>
